--- a/data/metadata/Validation_sample_OGTT_ap.pptx
+++ b/data/metadata/Validation_sample_OGTT_ap.pptx
@@ -25660,13 +25660,13 @@
           <p:nvPr>
             <p:extLst>
               <p:ext uri="{D42A27DB-BD31-4B8C-83A1-F6EECF244321}">
-                <p14:modId xmlns:p14="http://schemas.microsoft.com/office/powerpoint/2010/main" val="467353386"/>
+                <p14:modId xmlns:p14="http://schemas.microsoft.com/office/powerpoint/2010/main" val="700934779"/>
               </p:ext>
             </p:extLst>
           </p:nvPr>
         </p:nvGraphicFramePr>
         <p:xfrm>
-          <a:off x="1111250" y="4729923"/>
+          <a:off x="1111250" y="4746857"/>
           <a:ext cx="9969499" cy="2036637"/>
         </p:xfrm>
         <a:graphic>
